--- a/Youngchan/데모 시나리오.pptx
+++ b/Youngchan/데모 시나리오.pptx
@@ -254,7 +254,7 @@
           <a:p>
             <a:fld id="{48A87A34-81AB-432B-8DAE-1953F412C126}" type="datetimeFigureOut">
               <a:rPr lang="en-US" dirty="0"/>
-              <a:t>3/8/2019</a:t>
+              <a:t>3/12/2019</a:t>
             </a:fld>
             <a:endParaRPr lang="en-US" dirty="0"/>
           </a:p>
@@ -469,7 +469,7 @@
           <a:p>
             <a:fld id="{48A87A34-81AB-432B-8DAE-1953F412C126}" type="datetimeFigureOut">
               <a:rPr lang="en-US" dirty="0"/>
-              <a:t>3/8/2019</a:t>
+              <a:t>3/12/2019</a:t>
             </a:fld>
             <a:endParaRPr lang="en-US" dirty="0"/>
           </a:p>
@@ -688,7 +688,7 @@
           <a:p>
             <a:fld id="{48A87A34-81AB-432B-8DAE-1953F412C126}" type="datetimeFigureOut">
               <a:rPr lang="en-US" dirty="0"/>
-              <a:t>3/8/2019</a:t>
+              <a:t>3/12/2019</a:t>
             </a:fld>
             <a:endParaRPr lang="en-US" dirty="0"/>
           </a:p>
@@ -898,7 +898,7 @@
             <a:fld id="{48A87A34-81AB-432B-8DAE-1953F412C126}" type="datetimeFigureOut">
               <a:rPr lang="en-US" dirty="0"/>
               <a:pPr/>
-              <a:t>3/8/2019</a:t>
+              <a:t>3/12/2019</a:t>
             </a:fld>
             <a:endParaRPr lang="en-US" dirty="0"/>
           </a:p>
@@ -1185,7 +1185,7 @@
           <a:p>
             <a:fld id="{48A87A34-81AB-432B-8DAE-1953F412C126}" type="datetimeFigureOut">
               <a:rPr lang="en-US" dirty="0"/>
-              <a:t>3/8/2019</a:t>
+              <a:t>3/12/2019</a:t>
             </a:fld>
             <a:endParaRPr lang="en-US" dirty="0"/>
           </a:p>
@@ -1457,7 +1457,7 @@
           <a:p>
             <a:fld id="{48A87A34-81AB-432B-8DAE-1953F412C126}" type="datetimeFigureOut">
               <a:rPr lang="en-US" dirty="0"/>
-              <a:t>3/8/2019</a:t>
+              <a:t>3/12/2019</a:t>
             </a:fld>
             <a:endParaRPr lang="en-US" dirty="0"/>
           </a:p>
@@ -1877,7 +1877,7 @@
           <a:p>
             <a:fld id="{48A87A34-81AB-432B-8DAE-1953F412C126}" type="datetimeFigureOut">
               <a:rPr lang="en-US" dirty="0"/>
-              <a:t>3/8/2019</a:t>
+              <a:t>3/12/2019</a:t>
             </a:fld>
             <a:endParaRPr lang="en-US" dirty="0"/>
           </a:p>
@@ -2030,7 +2030,7 @@
           <a:p>
             <a:fld id="{48A87A34-81AB-432B-8DAE-1953F412C126}" type="datetimeFigureOut">
               <a:rPr lang="en-US" dirty="0"/>
-              <a:t>3/8/2019</a:t>
+              <a:t>3/12/2019</a:t>
             </a:fld>
             <a:endParaRPr lang="en-US" dirty="0"/>
           </a:p>
@@ -2160,7 +2160,7 @@
           <a:p>
             <a:fld id="{48A87A34-81AB-432B-8DAE-1953F412C126}" type="datetimeFigureOut">
               <a:rPr lang="en-US" dirty="0"/>
-              <a:t>3/8/2019</a:t>
+              <a:t>3/12/2019</a:t>
             </a:fld>
             <a:endParaRPr lang="en-US" dirty="0"/>
           </a:p>
@@ -2406,7 +2406,7 @@
           <a:p>
             <a:fld id="{48A87A34-81AB-432B-8DAE-1953F412C126}" type="datetimeFigureOut">
               <a:rPr lang="en-US" dirty="0"/>
-              <a:t>3/8/2019</a:t>
+              <a:t>3/12/2019</a:t>
             </a:fld>
             <a:endParaRPr lang="en-US" dirty="0"/>
           </a:p>
@@ -2862,7 +2862,7 @@
             <a:fld id="{48A87A34-81AB-432B-8DAE-1953F412C126}" type="datetimeFigureOut">
               <a:rPr lang="en-US" dirty="0"/>
               <a:pPr/>
-              <a:t>3/8/2019</a:t>
+              <a:t>3/12/2019</a:t>
             </a:fld>
             <a:endParaRPr lang="en-US" dirty="0"/>
           </a:p>
@@ -3239,7 +3239,7 @@
             <a:fld id="{48A87A34-81AB-432B-8DAE-1953F412C126}" type="datetimeFigureOut">
               <a:rPr lang="en-US" dirty="0"/>
               <a:pPr/>
-              <a:t>3/8/2019</a:t>
+              <a:t>3/12/2019</a:t>
             </a:fld>
             <a:endParaRPr lang="en-US" dirty="0"/>
           </a:p>
@@ -4066,34 +4066,39 @@
             </a:r>
             <a:r>
               <a:rPr lang="ko-KR" altLang="en-US" dirty="0"/>
-              <a:t>앱 갱신</a:t>
+              <a:t>앱 갱신 </a:t>
+            </a:r>
+            <a:r>
+              <a:rPr lang="en-US" altLang="ko-KR" dirty="0"/>
+              <a:t>+ </a:t>
+            </a:r>
+            <a:r>
+              <a:rPr lang="ko-KR" altLang="en-US" dirty="0"/>
+              <a:t>반응형 웹</a:t>
             </a:r>
             <a:endParaRPr lang="en-US" altLang="ko-KR" dirty="0"/>
           </a:p>
           <a:p>
             <a:r>
-              <a:rPr lang="ko-KR" altLang="en-US" dirty="0" err="1"/>
-              <a:t>푸시알림</a:t>
-            </a:r>
-            <a:r>
               <a:rPr lang="ko-KR" altLang="en-US" dirty="0"/>
-              <a:t> </a:t>
+              <a:t>푸시 알림 </a:t>
             </a:r>
             <a:r>
               <a:rPr lang="en-US" altLang="ko-KR" dirty="0"/>
               <a:t>: </a:t>
             </a:r>
             <a:r>
-              <a:rPr lang="ko-KR" altLang="en-US" dirty="0" err="1"/>
-              <a:t>재알림</a:t>
+              <a:rPr lang="en-US" altLang="ko-KR" dirty="0" err="1"/>
+              <a:t>db</a:t>
             </a:r>
             <a:r>
               <a:rPr lang="en-US" altLang="ko-KR" dirty="0"/>
-              <a:t>?</a:t>
-            </a:r>
-          </a:p>
-          <a:p>
-            <a:endParaRPr lang="ko-KR" altLang="en-US" dirty="0"/>
+              <a:t> </a:t>
+            </a:r>
+            <a:r>
+              <a:rPr lang="ko-KR" altLang="en-US" dirty="0"/>
+              <a:t>값을 조회해서 앱이 설치된 핸드폰에 알림을 한번 전달</a:t>
+            </a:r>
           </a:p>
         </p:txBody>
       </p:sp>
@@ -4234,8 +4239,42 @@
           </a:p>
           <a:p>
             <a:r>
+              <a:rPr lang="ko-KR" altLang="en-US" dirty="0"/>
+              <a:t>푸시 알림 </a:t>
+            </a:r>
+            <a:r>
+              <a:rPr lang="en-US" altLang="ko-KR" dirty="0"/>
+              <a:t>: </a:t>
+            </a:r>
+            <a:r>
+              <a:rPr lang="ko-KR" altLang="en-US" dirty="0"/>
+              <a:t>설정 페이지를 만들어 주기 설정</a:t>
+            </a:r>
+            <a:r>
+              <a:rPr lang="en-US" altLang="ko-KR" dirty="0"/>
+              <a:t>(</a:t>
+            </a:r>
+            <a:r>
               <a:rPr lang="ko-KR" altLang="en-US" dirty="0" err="1"/>
-              <a:t>푸시알림</a:t>
+              <a:t>재알림</a:t>
+            </a:r>
+            <a:r>
+              <a:rPr lang="en-US" altLang="ko-KR" dirty="0"/>
+              <a:t>) </a:t>
+            </a:r>
+          </a:p>
+          <a:p>
+            <a:r>
+              <a:rPr lang="en-US" altLang="ko-KR" dirty="0"/>
+              <a:t>+</a:t>
+            </a:r>
+            <a:r>
+              <a:rPr lang="ko-KR" altLang="en-US" dirty="0"/>
+              <a:t>교체하고 일정 시간 후 이상 없음과 예상 교체시간 통지</a:t>
+            </a:r>
+            <a:r>
+              <a:rPr lang="en-US" altLang="ko-KR" dirty="0"/>
+              <a:t>(on/off</a:t>
             </a:r>
             <a:r>
               <a:rPr lang="ko-KR" altLang="en-US" dirty="0"/>
@@ -4243,7 +4282,15 @@
             </a:r>
             <a:r>
               <a:rPr lang="en-US" altLang="ko-KR" dirty="0"/>
-              <a:t>: </a:t>
+              <a:t>UI</a:t>
+            </a:r>
+            <a:r>
+              <a:rPr lang="ko-KR" altLang="en-US" dirty="0"/>
+              <a:t> 구현</a:t>
+            </a:r>
+            <a:r>
+              <a:rPr lang="en-US" altLang="ko-KR" dirty="0"/>
+              <a:t>)</a:t>
             </a:r>
           </a:p>
           <a:p>
@@ -4415,8 +4462,28 @@
               <a:t>: </a:t>
             </a:r>
             <a:r>
+              <a:rPr lang="en-US" altLang="ko-KR" dirty="0" err="1"/>
+              <a:t>pwa</a:t>
+            </a:r>
+            <a:r>
+              <a:rPr lang="en-US" altLang="ko-KR" dirty="0"/>
+              <a:t>(</a:t>
+            </a:r>
+            <a:r>
+              <a:rPr lang="ko-KR" altLang="en-US" dirty="0" err="1"/>
+              <a:t>프로그레스</a:t>
+            </a:r>
+            <a:r>
               <a:rPr lang="ko-KR" altLang="en-US" dirty="0"/>
-              <a:t>교체하고 일정 시간 후 이상 없음과 예상 교체시간 통지</a:t>
+              <a:t> 웹 앱</a:t>
+            </a:r>
+            <a:r>
+              <a:rPr lang="en-US" altLang="ko-KR" dirty="0"/>
+              <a:t>)</a:t>
+            </a:r>
+            <a:r>
+              <a:rPr lang="ko-KR" altLang="en-US" dirty="0"/>
+              <a:t>으로서 웹으로 알림 구현</a:t>
             </a:r>
           </a:p>
         </p:txBody>

--- a/Youngchan/데모 시나리오.pptx
+++ b/Youngchan/데모 시나리오.pptx
@@ -4066,7 +4066,22 @@
             </a:r>
             <a:r>
               <a:rPr lang="ko-KR" altLang="en-US" dirty="0"/>
-              <a:t>앱 갱신 </a:t>
+              <a:t>앱 갱신</a:t>
+            </a:r>
+            <a:endParaRPr lang="en-US" altLang="ko-KR" dirty="0"/>
+          </a:p>
+          <a:p>
+            <a:r>
+              <a:rPr lang="ko-KR" altLang="en-US" dirty="0"/>
+              <a:t>푸시 알림 </a:t>
+            </a:r>
+            <a:r>
+              <a:rPr lang="en-US" altLang="ko-KR" dirty="0"/>
+              <a:t>: DB</a:t>
+            </a:r>
+            <a:r>
+              <a:rPr lang="ko-KR" altLang="en-US" dirty="0"/>
+              <a:t>를 조회해서 앱이 설치된 핸드폰에 알림 </a:t>
             </a:r>
             <a:r>
               <a:rPr lang="en-US" altLang="ko-KR" dirty="0"/>
@@ -4074,30 +4089,7 @@
             </a:r>
             <a:r>
               <a:rPr lang="ko-KR" altLang="en-US" dirty="0"/>
-              <a:t>반응형 웹</a:t>
-            </a:r>
-            <a:endParaRPr lang="en-US" altLang="ko-KR" dirty="0"/>
-          </a:p>
-          <a:p>
-            <a:r>
-              <a:rPr lang="ko-KR" altLang="en-US" dirty="0"/>
-              <a:t>푸시 알림 </a:t>
-            </a:r>
-            <a:r>
-              <a:rPr lang="en-US" altLang="ko-KR" dirty="0"/>
-              <a:t>: </a:t>
-            </a:r>
-            <a:r>
-              <a:rPr lang="en-US" altLang="ko-KR" dirty="0" err="1"/>
-              <a:t>db</a:t>
-            </a:r>
-            <a:r>
-              <a:rPr lang="en-US" altLang="ko-KR" dirty="0"/>
-              <a:t> </a:t>
-            </a:r>
-            <a:r>
-              <a:rPr lang="ko-KR" altLang="en-US" dirty="0"/>
-              <a:t>값을 조회해서 앱이 설치된 핸드폰에 알림을 한번 전달</a:t>
+              <a:t>터치 시 반응형 웹에 링크</a:t>
             </a:r>
           </a:p>
         </p:txBody>
